--- a/Slides/Class23.pptx
+++ b/Slides/Class23.pptx
@@ -5,15 +5,14 @@
     <p:sldMasterId id="2147483648" r:id="rId1"/>
   </p:sldMasterIdLst>
   <p:notesMasterIdLst>
-    <p:notesMasterId r:id="rId5"/>
+    <p:notesMasterId r:id="rId4"/>
   </p:notesMasterIdLst>
   <p:handoutMasterIdLst>
-    <p:handoutMasterId r:id="rId6"/>
+    <p:handoutMasterId r:id="rId5"/>
   </p:handoutMasterIdLst>
   <p:sldIdLst>
     <p:sldId id="258" r:id="rId2"/>
-    <p:sldId id="411" r:id="rId3"/>
-    <p:sldId id="412" r:id="rId4"/>
+    <p:sldId id="413" r:id="rId3"/>
   </p:sldIdLst>
   <p:sldSz cx="9144000" cy="6858000" type="screen4x3"/>
   <p:notesSz cx="6858000" cy="9144000"/>
@@ -227,7 +226,7 @@
           <a:p>
             <a:fld id="{C24322AF-E05B-7249-906C-FBAC6154C037}" type="datetimeFigureOut">
               <a:rPr lang="en-US" smtClean="0"/>
-              <a:t>12/11/18</a:t>
+              <a:t>1/24/21</a:t>
             </a:fld>
             <a:endParaRPr lang="en-US"/>
           </a:p>
@@ -393,7 +392,7 @@
             <a:fld id="{06A43BE5-3BD4-F642-8751-88A31D8D6D13}" type="datetimeFigureOut">
               <a:rPr lang="en-US" smtClean="0"/>
               <a:pPr/>
-              <a:t>12/11/18</a:t>
+              <a:t>1/24/21</a:t>
             </a:fld>
             <a:endParaRPr lang="en-US"/>
           </a:p>
@@ -936,7 +935,7 @@
             <a:fld id="{A4FA2B0E-4818-9849-9CF1-1031FD4E1DAB}" type="datetimeFigureOut">
               <a:rPr lang="en-US" smtClean="0"/>
               <a:pPr/>
-              <a:t>12/11/18</a:t>
+              <a:t>1/24/21</a:t>
             </a:fld>
             <a:endParaRPr lang="en-US"/>
           </a:p>
@@ -1101,7 +1100,7 @@
             <a:fld id="{A4FA2B0E-4818-9849-9CF1-1031FD4E1DAB}" type="datetimeFigureOut">
               <a:rPr lang="en-US" smtClean="0"/>
               <a:pPr/>
-              <a:t>12/11/18</a:t>
+              <a:t>1/24/21</a:t>
             </a:fld>
             <a:endParaRPr lang="en-US"/>
           </a:p>
@@ -1276,7 +1275,7 @@
             <a:fld id="{A4FA2B0E-4818-9849-9CF1-1031FD4E1DAB}" type="datetimeFigureOut">
               <a:rPr lang="en-US" smtClean="0"/>
               <a:pPr/>
-              <a:t>12/11/18</a:t>
+              <a:t>1/24/21</a:t>
             </a:fld>
             <a:endParaRPr lang="en-US"/>
           </a:p>
@@ -1441,7 +1440,7 @@
             <a:fld id="{A4FA2B0E-4818-9849-9CF1-1031FD4E1DAB}" type="datetimeFigureOut">
               <a:rPr lang="en-US" smtClean="0"/>
               <a:pPr/>
-              <a:t>12/11/18</a:t>
+              <a:t>1/24/21</a:t>
             </a:fld>
             <a:endParaRPr lang="en-US"/>
           </a:p>
@@ -1683,7 +1682,7 @@
             <a:fld id="{A4FA2B0E-4818-9849-9CF1-1031FD4E1DAB}" type="datetimeFigureOut">
               <a:rPr lang="en-US" smtClean="0"/>
               <a:pPr/>
-              <a:t>12/11/18</a:t>
+              <a:t>1/24/21</a:t>
             </a:fld>
             <a:endParaRPr lang="en-US"/>
           </a:p>
@@ -1965,7 +1964,7 @@
             <a:fld id="{A4FA2B0E-4818-9849-9CF1-1031FD4E1DAB}" type="datetimeFigureOut">
               <a:rPr lang="en-US" smtClean="0"/>
               <a:pPr/>
-              <a:t>12/11/18</a:t>
+              <a:t>1/24/21</a:t>
             </a:fld>
             <a:endParaRPr lang="en-US"/>
           </a:p>
@@ -2381,7 +2380,7 @@
             <a:fld id="{A4FA2B0E-4818-9849-9CF1-1031FD4E1DAB}" type="datetimeFigureOut">
               <a:rPr lang="en-US" smtClean="0"/>
               <a:pPr/>
-              <a:t>12/11/18</a:t>
+              <a:t>1/24/21</a:t>
             </a:fld>
             <a:endParaRPr lang="en-US"/>
           </a:p>
@@ -2495,7 +2494,7 @@
             <a:fld id="{A4FA2B0E-4818-9849-9CF1-1031FD4E1DAB}" type="datetimeFigureOut">
               <a:rPr lang="en-US" smtClean="0"/>
               <a:pPr/>
-              <a:t>12/11/18</a:t>
+              <a:t>1/24/21</a:t>
             </a:fld>
             <a:endParaRPr lang="en-US"/>
           </a:p>
@@ -2587,7 +2586,7 @@
             <a:fld id="{A4FA2B0E-4818-9849-9CF1-1031FD4E1DAB}" type="datetimeFigureOut">
               <a:rPr lang="en-US" smtClean="0"/>
               <a:pPr/>
-              <a:t>12/11/18</a:t>
+              <a:t>1/24/21</a:t>
             </a:fld>
             <a:endParaRPr lang="en-US"/>
           </a:p>
@@ -2859,7 +2858,7 @@
             <a:fld id="{A4FA2B0E-4818-9849-9CF1-1031FD4E1DAB}" type="datetimeFigureOut">
               <a:rPr lang="en-US" smtClean="0"/>
               <a:pPr/>
-              <a:t>12/11/18</a:t>
+              <a:t>1/24/21</a:t>
             </a:fld>
             <a:endParaRPr lang="en-US"/>
           </a:p>
@@ -3108,7 +3107,7 @@
             <a:fld id="{A4FA2B0E-4818-9849-9CF1-1031FD4E1DAB}" type="datetimeFigureOut">
               <a:rPr lang="en-US" smtClean="0"/>
               <a:pPr/>
-              <a:t>12/11/18</a:t>
+              <a:t>1/24/21</a:t>
             </a:fld>
             <a:endParaRPr lang="en-US"/>
           </a:p>
@@ -3316,7 +3315,7 @@
             <a:fld id="{A4FA2B0E-4818-9849-9CF1-1031FD4E1DAB}" type="datetimeFigureOut">
               <a:rPr lang="en-US" smtClean="0"/>
               <a:pPr/>
-              <a:t>12/11/18</a:t>
+              <a:t>1/24/21</a:t>
             </a:fld>
             <a:endParaRPr lang="en-US"/>
           </a:p>
@@ -3696,7 +3695,7 @@
         <p:spPr>
           <a:xfrm>
             <a:off x="2196997" y="664253"/>
-            <a:ext cx="4750018" cy="830997"/>
+            <a:ext cx="4750019" cy="1446550"/>
           </a:xfrm>
           <a:prstGeom prst="rect">
             <a:avLst/>
@@ -3716,6 +3715,16 @@
                 <a:cs typeface="Times New Roman"/>
               </a:rPr>
               <a:t>Physics Capstone</a:t>
+            </a:r>
+          </a:p>
+          <a:p>
+            <a:pPr algn="ctr"/>
+            <a:r>
+              <a:rPr lang="en-US" sz="4000" dirty="0">
+                <a:latin typeface="Times New Roman"/>
+                <a:cs typeface="Times New Roman"/>
+              </a:rPr>
+              <a:t>(PHYS 4195W)</a:t>
             </a:r>
           </a:p>
         </p:txBody>
@@ -3760,7 +3769,7 @@
                 <a:latin typeface="Times New Roman"/>
                 <a:cs typeface="Times New Roman"/>
               </a:rPr>
-              <a:t>Proposal Abstract Review Panel</a:t>
+              <a:t>Peer Review of Press Releases</a:t>
             </a:r>
           </a:p>
         </p:txBody>
@@ -3804,7 +3813,7 @@
         <p:spPr>
           <a:xfrm>
             <a:off x="275549" y="191702"/>
-            <a:ext cx="7789248" cy="553998"/>
+            <a:ext cx="6244338" cy="553998"/>
           </a:xfrm>
           <a:prstGeom prst="rect">
             <a:avLst/>
@@ -3825,7 +3834,7 @@
                 <a:latin typeface="Times New Roman"/>
                 <a:cs typeface="Times New Roman"/>
               </a:rPr>
-              <a:t>Proposal Abstract Review Panel</a:t>
+              <a:t>Press Releases Review</a:t>
             </a:r>
             <a:r>
               <a:rPr lang="en-US" sz="2400" b="1" dirty="0">
@@ -3892,7 +3901,7 @@
         <p:spPr>
           <a:xfrm>
             <a:off x="539604" y="945629"/>
-            <a:ext cx="8421516" cy="4339650"/>
+            <a:ext cx="8505244" cy="5447645"/>
           </a:xfrm>
           <a:prstGeom prst="rect">
             <a:avLst/>
@@ -3921,7 +3930,7 @@
                 <a:ea typeface="MS Mincho" panose="02020609040205080304" pitchFamily="49" charset="-128"/>
                 <a:cs typeface="Times New Roman" panose="02020603050405020304" pitchFamily="18" charset="0"/>
               </a:rPr>
-              <a:t>Everybody participates, but three special roles for each abstract</a:t>
+              <a:t>Read all press releases one-by-one as a group, keeping in mind that they are targeted at a general, non-scientific audience</a:t>
             </a:r>
           </a:p>
           <a:p>
@@ -3946,7 +3955,7 @@
                 <a:ea typeface="MS Mincho" panose="02020609040205080304" pitchFamily="49" charset="-128"/>
                 <a:cs typeface="Times New Roman" panose="02020603050405020304" pitchFamily="18" charset="0"/>
               </a:rPr>
-              <a:t>Primary reviewer (the ‘manager’)</a:t>
+              <a:t>All students (except for the researcher and journalist) comment on the following:</a:t>
             </a:r>
           </a:p>
           <a:p>
@@ -3960,7 +3969,7 @@
                 <a:ea typeface="MS Mincho" panose="02020609040205080304" pitchFamily="49" charset="-128"/>
                 <a:cs typeface="Times New Roman" panose="02020603050405020304" pitchFamily="18" charset="0"/>
               </a:rPr>
-              <a:t>Leads the discussion </a:t>
+              <a:t>Is the writing style appealing and appropriate?</a:t>
             </a:r>
           </a:p>
           <a:p>
@@ -3974,7 +3983,7 @@
                 <a:ea typeface="MS Mincho" panose="02020609040205080304" pitchFamily="49" charset="-128"/>
                 <a:cs typeface="Times New Roman" panose="02020603050405020304" pitchFamily="18" charset="0"/>
               </a:rPr>
-              <a:t>Gives a short summary of the proposal goals</a:t>
+              <a:t>Is there an appealing and exciting title?</a:t>
             </a:r>
           </a:p>
           <a:p>
@@ -3988,7 +3997,7 @@
                 <a:ea typeface="MS Mincho" panose="02020609040205080304" pitchFamily="49" charset="-128"/>
                 <a:cs typeface="Times New Roman" panose="02020603050405020304" pitchFamily="18" charset="0"/>
               </a:rPr>
-              <a:t>Discusses strengths and possible improvements</a:t>
+              <a:t>Is it clear what the broader impact is?</a:t>
             </a:r>
           </a:p>
           <a:p>
@@ -4002,7 +4011,7 @@
                 <a:ea typeface="MS Mincho" panose="02020609040205080304" pitchFamily="49" charset="-128"/>
                 <a:cs typeface="Times New Roman" panose="02020603050405020304" pitchFamily="18" charset="0"/>
               </a:rPr>
-              <a:t>Opens up the discussion after the secondary reviewer</a:t>
+              <a:t>Does it include common elements, such as quotes from researchers and illustrations of the main points?</a:t>
             </a:r>
           </a:p>
           <a:p>
@@ -4027,11 +4036,18 @@
                 <a:ea typeface="MS Mincho" panose="02020609040205080304" pitchFamily="49" charset="-128"/>
                 <a:cs typeface="Times New Roman" panose="02020603050405020304" pitchFamily="18" charset="0"/>
               </a:rPr>
-              <a:t>Secondary reviewer (the ‘sceptic’)</a:t>
-            </a:r>
-          </a:p>
-          <a:p>
-            <a:pPr marL="800100" lvl="1" indent="-342900">
+              <a:t>The researcher comments on any points that are not completely correct and suggests possible rewording.</a:t>
+            </a:r>
+          </a:p>
+          <a:p>
+            <a:endParaRPr lang="en-US" sz="1200" dirty="0">
+              <a:latin typeface="Times New Roman" panose="02020603050405020304" pitchFamily="18" charset="0"/>
+              <a:ea typeface="MS Mincho" panose="02020609040205080304" pitchFamily="49" charset="-128"/>
+              <a:cs typeface="Times New Roman" panose="02020603050405020304" pitchFamily="18" charset="0"/>
+            </a:endParaRPr>
+          </a:p>
+          <a:p>
+            <a:pPr marL="342900" indent="-342900">
               <a:buFont typeface="Arial" panose="020B0604020202020204" pitchFamily="34" charset="0"/>
               <a:buChar char="•"/>
             </a:pPr>
@@ -4041,46 +4057,7 @@
                 <a:ea typeface="MS Mincho" panose="02020609040205080304" pitchFamily="49" charset="-128"/>
                 <a:cs typeface="Times New Roman" panose="02020603050405020304" pitchFamily="18" charset="0"/>
               </a:rPr>
-              <a:t>Discusses strengths and possible improvements</a:t>
-            </a:r>
-          </a:p>
-          <a:p>
-            <a:pPr marL="800100" lvl="1" indent="-342900">
-              <a:buFont typeface="Arial" panose="020B0604020202020204" pitchFamily="34" charset="0"/>
-              <a:buChar char="•"/>
-            </a:pPr>
-            <a:r>
-              <a:rPr lang="en-US" sz="2400" dirty="0">
-                <a:latin typeface="Times New Roman" panose="02020603050405020304" pitchFamily="18" charset="0"/>
-                <a:ea typeface="MS Mincho" panose="02020609040205080304" pitchFamily="49" charset="-128"/>
-                <a:cs typeface="Times New Roman" panose="02020603050405020304" pitchFamily="18" charset="0"/>
-              </a:rPr>
-              <a:t>Highlights different opinions from primary reviewer</a:t>
-            </a:r>
-          </a:p>
-          <a:p>
-            <a:pPr marL="342900" indent="-342900">
-              <a:buFont typeface="Arial" panose="020B0604020202020204" pitchFamily="34" charset="0"/>
-              <a:buChar char="•"/>
-            </a:pPr>
-            <a:endParaRPr lang="en-US" sz="1200" dirty="0">
-              <a:latin typeface="Times New Roman" panose="02020603050405020304" pitchFamily="18" charset="0"/>
-              <a:ea typeface="MS Mincho" panose="02020609040205080304" pitchFamily="49" charset="-128"/>
-              <a:cs typeface="Times New Roman" panose="02020603050405020304" pitchFamily="18" charset="0"/>
-            </a:endParaRPr>
-          </a:p>
-          <a:p>
-            <a:pPr marL="342900" indent="-342900">
-              <a:buFont typeface="Arial" panose="020B0604020202020204" pitchFamily="34" charset="0"/>
-              <a:buChar char="•"/>
-            </a:pPr>
-            <a:r>
-              <a:rPr lang="en-US" sz="2400" dirty="0">
-                <a:latin typeface="Times New Roman" panose="02020603050405020304" pitchFamily="18" charset="0"/>
-                <a:ea typeface="MS Mincho" panose="02020609040205080304" pitchFamily="49" charset="-128"/>
-                <a:cs typeface="Times New Roman" panose="02020603050405020304" pitchFamily="18" charset="0"/>
-              </a:rPr>
-              <a:t>Recorder: takes notes and summarizes the discussion</a:t>
+              <a:t>Every journalist submits a revised version of their press release before the next class</a:t>
             </a:r>
           </a:p>
         </p:txBody>
@@ -4088,228 +4065,7 @@
     </p:spTree>
     <p:extLst>
       <p:ext uri="{BB962C8B-B14F-4D97-AF65-F5344CB8AC3E}">
-        <p14:creationId xmlns:p14="http://schemas.microsoft.com/office/powerpoint/2010/main" val="1480707340"/>
-      </p:ext>
-    </p:extLst>
-  </p:cSld>
-  <p:clrMapOvr>
-    <a:masterClrMapping/>
-  </p:clrMapOvr>
-</p:sld>
-</file>
-
-<file path=ppt/slides/slide3.xml><?xml version="1.0" encoding="utf-8"?>
-<p:sld xmlns:a="http://schemas.openxmlformats.org/drawingml/2006/main" xmlns:r="http://schemas.openxmlformats.org/officeDocument/2006/relationships" xmlns:p="http://schemas.openxmlformats.org/presentationml/2006/main">
-  <p:cSld>
-    <p:spTree>
-      <p:nvGrpSpPr>
-        <p:cNvPr id="1" name=""/>
-        <p:cNvGrpSpPr/>
-        <p:nvPr/>
-      </p:nvGrpSpPr>
-      <p:grpSpPr>
-        <a:xfrm>
-          <a:off x="0" y="0"/>
-          <a:ext cx="0" cy="0"/>
-          <a:chOff x="0" y="0"/>
-          <a:chExt cx="0" cy="0"/>
-        </a:xfrm>
-      </p:grpSpPr>
-      <p:sp>
-        <p:nvSpPr>
-          <p:cNvPr id="4" name="TextBox 3"/>
-          <p:cNvSpPr txBox="1"/>
-          <p:nvPr/>
-        </p:nvSpPr>
-        <p:spPr>
-          <a:xfrm>
-            <a:off x="275549" y="191702"/>
-            <a:ext cx="5855193" cy="553998"/>
-          </a:xfrm>
-          <a:prstGeom prst="rect">
-            <a:avLst/>
-          </a:prstGeom>
-          <a:noFill/>
-        </p:spPr>
-        <p:txBody>
-          <a:bodyPr wrap="none" rtlCol="0">
-            <a:spAutoFit/>
-          </a:bodyPr>
-          <a:lstStyle/>
-          <a:p>
-            <a:r>
-              <a:rPr lang="en-US" sz="3000" b="1" dirty="0">
-                <a:solidFill>
-                  <a:prstClr val="black"/>
-                </a:solidFill>
-                <a:latin typeface="Times New Roman"/>
-                <a:cs typeface="Times New Roman"/>
-              </a:rPr>
-              <a:t>Proposal Abstract Review Criteria</a:t>
-            </a:r>
-            <a:endParaRPr lang="en-US" sz="2400" b="1" dirty="0">
-              <a:solidFill>
-                <a:prstClr val="black"/>
-              </a:solidFill>
-              <a:latin typeface="Times New Roman"/>
-              <a:cs typeface="Times New Roman"/>
-            </a:endParaRPr>
-          </a:p>
-        </p:txBody>
-      </p:sp>
-      <p:sp>
-        <p:nvSpPr>
-          <p:cNvPr id="6" name="TextBox 5">
-            <a:extLst>
-              <a:ext uri="{FF2B5EF4-FFF2-40B4-BE49-F238E27FC236}">
-                <a16:creationId xmlns:a16="http://schemas.microsoft.com/office/drawing/2014/main" id="{878A97EC-2834-8447-A6B8-2F5335C4C2C1}"/>
-              </a:ext>
-            </a:extLst>
-          </p:cNvPr>
-          <p:cNvSpPr txBox="1"/>
-          <p:nvPr/>
-        </p:nvSpPr>
-        <p:spPr>
-          <a:xfrm>
-            <a:off x="539604" y="945629"/>
-            <a:ext cx="8421516" cy="2677656"/>
-          </a:xfrm>
-          <a:prstGeom prst="rect">
-            <a:avLst/>
-          </a:prstGeom>
-          <a:noFill/>
-        </p:spPr>
-        <p:txBody>
-          <a:bodyPr wrap="square" rtlCol="0">
-            <a:spAutoFit/>
-          </a:bodyPr>
-          <a:lstStyle/>
-          <a:p>
-            <a:pPr marL="342900" marR="0" lvl="0" indent="-342900">
-              <a:spcBef>
-                <a:spcPts val="0"/>
-              </a:spcBef>
-              <a:spcAft>
-                <a:spcPts val="0"/>
-              </a:spcAft>
-              <a:buFont typeface="Arial" panose="020B0604020202020204" pitchFamily="34" charset="0"/>
-              <a:buChar char="•"/>
-            </a:pPr>
-            <a:r>
-              <a:rPr lang="en-US" sz="2400" dirty="0">
-                <a:latin typeface="Times New Roman" panose="02020603050405020304" pitchFamily="18" charset="0"/>
-                <a:ea typeface="MS Mincho" panose="02020609040205080304" pitchFamily="49" charset="-128"/>
-                <a:cs typeface="Times New Roman" panose="02020603050405020304" pitchFamily="18" charset="0"/>
-              </a:rPr>
-              <a:t>Is it clear to which organization the proposal is addressed?</a:t>
-            </a:r>
-          </a:p>
-          <a:p>
-            <a:pPr marL="342900" indent="-342900">
-              <a:buFont typeface="Arial" panose="020B0604020202020204" pitchFamily="34" charset="0"/>
-              <a:buChar char="•"/>
-            </a:pPr>
-            <a:endParaRPr lang="en-US" sz="1200" dirty="0">
-              <a:latin typeface="Times New Roman" panose="02020603050405020304" pitchFamily="18" charset="0"/>
-              <a:ea typeface="MS Mincho" panose="02020609040205080304" pitchFamily="49" charset="-128"/>
-              <a:cs typeface="Times New Roman" panose="02020603050405020304" pitchFamily="18" charset="0"/>
-            </a:endParaRPr>
-          </a:p>
-          <a:p>
-            <a:pPr marL="342900" indent="-342900">
-              <a:buFont typeface="Arial" panose="020B0604020202020204" pitchFamily="34" charset="0"/>
-              <a:buChar char="•"/>
-            </a:pPr>
-            <a:r>
-              <a:rPr lang="en-US" sz="2400" dirty="0">
-                <a:latin typeface="Times New Roman" panose="02020603050405020304" pitchFamily="18" charset="0"/>
-                <a:ea typeface="MS Mincho" panose="02020609040205080304" pitchFamily="49" charset="-128"/>
-                <a:cs typeface="Times New Roman" panose="02020603050405020304" pitchFamily="18" charset="0"/>
-              </a:rPr>
-              <a:t>Is it clear what is being asked for?</a:t>
-            </a:r>
-          </a:p>
-          <a:p>
-            <a:pPr marL="342900" indent="-342900">
-              <a:buFont typeface="Arial" panose="020B0604020202020204" pitchFamily="34" charset="0"/>
-              <a:buChar char="•"/>
-            </a:pPr>
-            <a:endParaRPr lang="en-US" sz="1200" dirty="0">
-              <a:latin typeface="Times New Roman" panose="02020603050405020304" pitchFamily="18" charset="0"/>
-              <a:ea typeface="MS Mincho" panose="02020609040205080304" pitchFamily="49" charset="-128"/>
-              <a:cs typeface="Times New Roman" panose="02020603050405020304" pitchFamily="18" charset="0"/>
-            </a:endParaRPr>
-          </a:p>
-          <a:p>
-            <a:pPr marL="342900" indent="-342900">
-              <a:buFont typeface="Arial" panose="020B0604020202020204" pitchFamily="34" charset="0"/>
-              <a:buChar char="•"/>
-            </a:pPr>
-            <a:r>
-              <a:rPr lang="en-US" sz="2400" dirty="0">
-                <a:latin typeface="Times New Roman" panose="02020603050405020304" pitchFamily="18" charset="0"/>
-                <a:ea typeface="MS Mincho" panose="02020609040205080304" pitchFamily="49" charset="-128"/>
-                <a:cs typeface="Times New Roman" panose="02020603050405020304" pitchFamily="18" charset="0"/>
-              </a:rPr>
-              <a:t>Is there a clear motivation for the request?</a:t>
-            </a:r>
-          </a:p>
-          <a:p>
-            <a:pPr marL="342900" indent="-342900">
-              <a:buFont typeface="Arial" panose="020B0604020202020204" pitchFamily="34" charset="0"/>
-              <a:buChar char="•"/>
-            </a:pPr>
-            <a:endParaRPr lang="en-US" sz="1200" dirty="0">
-              <a:latin typeface="Times New Roman" panose="02020603050405020304" pitchFamily="18" charset="0"/>
-              <a:ea typeface="MS Mincho" panose="02020609040205080304" pitchFamily="49" charset="-128"/>
-              <a:cs typeface="Times New Roman" panose="02020603050405020304" pitchFamily="18" charset="0"/>
-            </a:endParaRPr>
-          </a:p>
-          <a:p>
-            <a:pPr marL="342900" indent="-342900">
-              <a:buFont typeface="Arial" panose="020B0604020202020204" pitchFamily="34" charset="0"/>
-              <a:buChar char="•"/>
-            </a:pPr>
-            <a:r>
-              <a:rPr lang="en-US" sz="2400" dirty="0">
-                <a:latin typeface="Times New Roman" panose="02020603050405020304" pitchFamily="18" charset="0"/>
-                <a:ea typeface="MS Mincho" panose="02020609040205080304" pitchFamily="49" charset="-128"/>
-                <a:cs typeface="Times New Roman" panose="02020603050405020304" pitchFamily="18" charset="0"/>
-              </a:rPr>
-              <a:t>Is there an appealing title?</a:t>
-            </a:r>
-          </a:p>
-          <a:p>
-            <a:pPr marL="342900" indent="-342900">
-              <a:buFont typeface="Arial" panose="020B0604020202020204" pitchFamily="34" charset="0"/>
-              <a:buChar char="•"/>
-            </a:pPr>
-            <a:endParaRPr lang="en-US" sz="1200" dirty="0">
-              <a:latin typeface="Times New Roman" panose="02020603050405020304" pitchFamily="18" charset="0"/>
-              <a:ea typeface="MS Mincho" panose="02020609040205080304" pitchFamily="49" charset="-128"/>
-              <a:cs typeface="Times New Roman" panose="02020603050405020304" pitchFamily="18" charset="0"/>
-            </a:endParaRPr>
-          </a:p>
-          <a:p>
-            <a:pPr marL="342900" indent="-342900">
-              <a:buFont typeface="Arial" panose="020B0604020202020204" pitchFamily="34" charset="0"/>
-              <a:buChar char="•"/>
-            </a:pPr>
-            <a:r>
-              <a:rPr lang="en-US" sz="2400" dirty="0">
-                <a:latin typeface="Times New Roman" panose="02020603050405020304" pitchFamily="18" charset="0"/>
-                <a:ea typeface="MS Mincho" panose="02020609040205080304" pitchFamily="49" charset="-128"/>
-                <a:cs typeface="Times New Roman" panose="02020603050405020304" pitchFamily="18" charset="0"/>
-              </a:rPr>
-              <a:t>Is the abstract overall appealing?</a:t>
-            </a:r>
-          </a:p>
-        </p:txBody>
-      </p:sp>
-    </p:spTree>
-    <p:extLst>
-      <p:ext uri="{BB962C8B-B14F-4D97-AF65-F5344CB8AC3E}">
-        <p14:creationId xmlns:p14="http://schemas.microsoft.com/office/powerpoint/2010/main" val="1240791600"/>
+        <p14:creationId xmlns:p14="http://schemas.microsoft.com/office/powerpoint/2010/main" val="1330259720"/>
       </p:ext>
     </p:extLst>
   </p:cSld>

--- a/Slides/Class23.pptx
+++ b/Slides/Class23.pptx
@@ -226,7 +226,7 @@
           <a:p>
             <a:fld id="{C24322AF-E05B-7249-906C-FBAC6154C037}" type="datetimeFigureOut">
               <a:rPr lang="en-US" smtClean="0"/>
-              <a:t>1/24/21</a:t>
+              <a:t>6/18/25</a:t>
             </a:fld>
             <a:endParaRPr lang="en-US"/>
           </a:p>
@@ -392,7 +392,7 @@
             <a:fld id="{06A43BE5-3BD4-F642-8751-88A31D8D6D13}" type="datetimeFigureOut">
               <a:rPr lang="en-US" smtClean="0"/>
               <a:pPr/>
-              <a:t>1/24/21</a:t>
+              <a:t>6/18/25</a:t>
             </a:fld>
             <a:endParaRPr lang="en-US"/>
           </a:p>
@@ -935,7 +935,7 @@
             <a:fld id="{A4FA2B0E-4818-9849-9CF1-1031FD4E1DAB}" type="datetimeFigureOut">
               <a:rPr lang="en-US" smtClean="0"/>
               <a:pPr/>
-              <a:t>1/24/21</a:t>
+              <a:t>6/18/25</a:t>
             </a:fld>
             <a:endParaRPr lang="en-US"/>
           </a:p>
@@ -1100,7 +1100,7 @@
             <a:fld id="{A4FA2B0E-4818-9849-9CF1-1031FD4E1DAB}" type="datetimeFigureOut">
               <a:rPr lang="en-US" smtClean="0"/>
               <a:pPr/>
-              <a:t>1/24/21</a:t>
+              <a:t>6/18/25</a:t>
             </a:fld>
             <a:endParaRPr lang="en-US"/>
           </a:p>
@@ -1275,7 +1275,7 @@
             <a:fld id="{A4FA2B0E-4818-9849-9CF1-1031FD4E1DAB}" type="datetimeFigureOut">
               <a:rPr lang="en-US" smtClean="0"/>
               <a:pPr/>
-              <a:t>1/24/21</a:t>
+              <a:t>6/18/25</a:t>
             </a:fld>
             <a:endParaRPr lang="en-US"/>
           </a:p>
@@ -1440,7 +1440,7 @@
             <a:fld id="{A4FA2B0E-4818-9849-9CF1-1031FD4E1DAB}" type="datetimeFigureOut">
               <a:rPr lang="en-US" smtClean="0"/>
               <a:pPr/>
-              <a:t>1/24/21</a:t>
+              <a:t>6/18/25</a:t>
             </a:fld>
             <a:endParaRPr lang="en-US"/>
           </a:p>
@@ -1682,7 +1682,7 @@
             <a:fld id="{A4FA2B0E-4818-9849-9CF1-1031FD4E1DAB}" type="datetimeFigureOut">
               <a:rPr lang="en-US" smtClean="0"/>
               <a:pPr/>
-              <a:t>1/24/21</a:t>
+              <a:t>6/18/25</a:t>
             </a:fld>
             <a:endParaRPr lang="en-US"/>
           </a:p>
@@ -1964,7 +1964,7 @@
             <a:fld id="{A4FA2B0E-4818-9849-9CF1-1031FD4E1DAB}" type="datetimeFigureOut">
               <a:rPr lang="en-US" smtClean="0"/>
               <a:pPr/>
-              <a:t>1/24/21</a:t>
+              <a:t>6/18/25</a:t>
             </a:fld>
             <a:endParaRPr lang="en-US"/>
           </a:p>
@@ -2380,7 +2380,7 @@
             <a:fld id="{A4FA2B0E-4818-9849-9CF1-1031FD4E1DAB}" type="datetimeFigureOut">
               <a:rPr lang="en-US" smtClean="0"/>
               <a:pPr/>
-              <a:t>1/24/21</a:t>
+              <a:t>6/18/25</a:t>
             </a:fld>
             <a:endParaRPr lang="en-US"/>
           </a:p>
@@ -2494,7 +2494,7 @@
             <a:fld id="{A4FA2B0E-4818-9849-9CF1-1031FD4E1DAB}" type="datetimeFigureOut">
               <a:rPr lang="en-US" smtClean="0"/>
               <a:pPr/>
-              <a:t>1/24/21</a:t>
+              <a:t>6/18/25</a:t>
             </a:fld>
             <a:endParaRPr lang="en-US"/>
           </a:p>
@@ -2586,7 +2586,7 @@
             <a:fld id="{A4FA2B0E-4818-9849-9CF1-1031FD4E1DAB}" type="datetimeFigureOut">
               <a:rPr lang="en-US" smtClean="0"/>
               <a:pPr/>
-              <a:t>1/24/21</a:t>
+              <a:t>6/18/25</a:t>
             </a:fld>
             <a:endParaRPr lang="en-US"/>
           </a:p>
@@ -2858,7 +2858,7 @@
             <a:fld id="{A4FA2B0E-4818-9849-9CF1-1031FD4E1DAB}" type="datetimeFigureOut">
               <a:rPr lang="en-US" smtClean="0"/>
               <a:pPr/>
-              <a:t>1/24/21</a:t>
+              <a:t>6/18/25</a:t>
             </a:fld>
             <a:endParaRPr lang="en-US"/>
           </a:p>
@@ -3107,7 +3107,7 @@
             <a:fld id="{A4FA2B0E-4818-9849-9CF1-1031FD4E1DAB}" type="datetimeFigureOut">
               <a:rPr lang="en-US" smtClean="0"/>
               <a:pPr/>
-              <a:t>1/24/21</a:t>
+              <a:t>6/18/25</a:t>
             </a:fld>
             <a:endParaRPr lang="en-US"/>
           </a:p>
@@ -3315,7 +3315,7 @@
             <a:fld id="{A4FA2B0E-4818-9849-9CF1-1031FD4E1DAB}" type="datetimeFigureOut">
               <a:rPr lang="en-US" smtClean="0"/>
               <a:pPr/>
-              <a:t>1/24/21</a:t>
+              <a:t>6/18/25</a:t>
             </a:fld>
             <a:endParaRPr lang="en-US"/>
           </a:p>
